--- a/docs/network _structure.pptx
+++ b/docs/network _structure.pptx
@@ -5,9 +5,7 @@
     <p:sldMasterId id="2147483648" r:id="rId1"/>
   </p:sldMasterIdLst>
   <p:sldIdLst>
-    <p:sldId id="256" r:id="rId2"/>
-    <p:sldId id="257" r:id="rId3"/>
-    <p:sldId id="258" r:id="rId4"/>
+    <p:sldId id="258" r:id="rId2"/>
   </p:sldIdLst>
   <p:sldSz cx="12192000" cy="6858000"/>
   <p:notesSz cx="6858000" cy="9144000"/>
@@ -272,7 +270,7 @@
           <a:p>
             <a:fld id="{5475DD73-BC4C-4B44-8344-796B51462F6D}" type="datetimeFigureOut">
               <a:rPr lang="zh-CN" altLang="en-US" smtClean="0"/>
-              <a:t>2020/7/9</a:t>
+              <a:t>2020/11/20</a:t>
             </a:fld>
             <a:endParaRPr lang="zh-CN" altLang="en-US"/>
           </a:p>
@@ -470,7 +468,7 @@
           <a:p>
             <a:fld id="{5475DD73-BC4C-4B44-8344-796B51462F6D}" type="datetimeFigureOut">
               <a:rPr lang="zh-CN" altLang="en-US" smtClean="0"/>
-              <a:t>2020/7/9</a:t>
+              <a:t>2020/11/20</a:t>
             </a:fld>
             <a:endParaRPr lang="zh-CN" altLang="en-US"/>
           </a:p>
@@ -678,7 +676,7 @@
           <a:p>
             <a:fld id="{5475DD73-BC4C-4B44-8344-796B51462F6D}" type="datetimeFigureOut">
               <a:rPr lang="zh-CN" altLang="en-US" smtClean="0"/>
-              <a:t>2020/7/9</a:t>
+              <a:t>2020/11/20</a:t>
             </a:fld>
             <a:endParaRPr lang="zh-CN" altLang="en-US"/>
           </a:p>
@@ -876,7 +874,7 @@
           <a:p>
             <a:fld id="{5475DD73-BC4C-4B44-8344-796B51462F6D}" type="datetimeFigureOut">
               <a:rPr lang="zh-CN" altLang="en-US" smtClean="0"/>
-              <a:t>2020/7/9</a:t>
+              <a:t>2020/11/20</a:t>
             </a:fld>
             <a:endParaRPr lang="zh-CN" altLang="en-US"/>
           </a:p>
@@ -1151,7 +1149,7 @@
           <a:p>
             <a:fld id="{5475DD73-BC4C-4B44-8344-796B51462F6D}" type="datetimeFigureOut">
               <a:rPr lang="zh-CN" altLang="en-US" smtClean="0"/>
-              <a:t>2020/7/9</a:t>
+              <a:t>2020/11/20</a:t>
             </a:fld>
             <a:endParaRPr lang="zh-CN" altLang="en-US"/>
           </a:p>
@@ -1416,7 +1414,7 @@
           <a:p>
             <a:fld id="{5475DD73-BC4C-4B44-8344-796B51462F6D}" type="datetimeFigureOut">
               <a:rPr lang="zh-CN" altLang="en-US" smtClean="0"/>
-              <a:t>2020/7/9</a:t>
+              <a:t>2020/11/20</a:t>
             </a:fld>
             <a:endParaRPr lang="zh-CN" altLang="en-US"/>
           </a:p>
@@ -1828,7 +1826,7 @@
           <a:p>
             <a:fld id="{5475DD73-BC4C-4B44-8344-796B51462F6D}" type="datetimeFigureOut">
               <a:rPr lang="zh-CN" altLang="en-US" smtClean="0"/>
-              <a:t>2020/7/9</a:t>
+              <a:t>2020/11/20</a:t>
             </a:fld>
             <a:endParaRPr lang="zh-CN" altLang="en-US"/>
           </a:p>
@@ -1969,7 +1967,7 @@
           <a:p>
             <a:fld id="{5475DD73-BC4C-4B44-8344-796B51462F6D}" type="datetimeFigureOut">
               <a:rPr lang="zh-CN" altLang="en-US" smtClean="0"/>
-              <a:t>2020/7/9</a:t>
+              <a:t>2020/11/20</a:t>
             </a:fld>
             <a:endParaRPr lang="zh-CN" altLang="en-US"/>
           </a:p>
@@ -2082,7 +2080,7 @@
           <a:p>
             <a:fld id="{5475DD73-BC4C-4B44-8344-796B51462F6D}" type="datetimeFigureOut">
               <a:rPr lang="zh-CN" altLang="en-US" smtClean="0"/>
-              <a:t>2020/7/9</a:t>
+              <a:t>2020/11/20</a:t>
             </a:fld>
             <a:endParaRPr lang="zh-CN" altLang="en-US"/>
           </a:p>
@@ -2393,7 +2391,7 @@
           <a:p>
             <a:fld id="{5475DD73-BC4C-4B44-8344-796B51462F6D}" type="datetimeFigureOut">
               <a:rPr lang="zh-CN" altLang="en-US" smtClean="0"/>
-              <a:t>2020/7/9</a:t>
+              <a:t>2020/11/20</a:t>
             </a:fld>
             <a:endParaRPr lang="zh-CN" altLang="en-US"/>
           </a:p>
@@ -2681,7 +2679,7 @@
           <a:p>
             <a:fld id="{5475DD73-BC4C-4B44-8344-796B51462F6D}" type="datetimeFigureOut">
               <a:rPr lang="zh-CN" altLang="en-US" smtClean="0"/>
-              <a:t>2020/7/9</a:t>
+              <a:t>2020/11/20</a:t>
             </a:fld>
             <a:endParaRPr lang="zh-CN" altLang="en-US"/>
           </a:p>
@@ -2922,7 +2920,7 @@
           <a:p>
             <a:fld id="{5475DD73-BC4C-4B44-8344-796B51462F6D}" type="datetimeFigureOut">
               <a:rPr lang="zh-CN" altLang="en-US" smtClean="0"/>
-              <a:t>2020/7/9</a:t>
+              <a:t>2020/11/20</a:t>
             </a:fld>
             <a:endParaRPr lang="zh-CN" altLang="en-US"/>
           </a:p>
@@ -3323,166 +3321,6 @@
 </file>
 
 <file path=ppt/slides/slide1.xml><?xml version="1.0" encoding="utf-8"?>
-<p:sld xmlns:a="http://schemas.openxmlformats.org/drawingml/2006/main" xmlns:r="http://schemas.openxmlformats.org/officeDocument/2006/relationships" xmlns:p="http://schemas.openxmlformats.org/presentationml/2006/main">
-  <p:cSld>
-    <p:spTree>
-      <p:nvGrpSpPr>
-        <p:cNvPr id="1" name=""/>
-        <p:cNvGrpSpPr/>
-        <p:nvPr/>
-      </p:nvGrpSpPr>
-      <p:grpSpPr>
-        <a:xfrm>
-          <a:off x="0" y="0"/>
-          <a:ext cx="0" cy="0"/>
-          <a:chOff x="0" y="0"/>
-          <a:chExt cx="0" cy="0"/>
-        </a:xfrm>
-      </p:grpSpPr>
-      <p:sp>
-        <p:nvSpPr>
-          <p:cNvPr id="2" name="标题 1">
-            <a:extLst>
-              <a:ext uri="{FF2B5EF4-FFF2-40B4-BE49-F238E27FC236}">
-                <a16:creationId xmlns:a16="http://schemas.microsoft.com/office/drawing/2014/main" id="{2C127978-4BD6-4B23-BC51-4AA569323654}"/>
-              </a:ext>
-            </a:extLst>
-          </p:cNvPr>
-          <p:cNvSpPr>
-            <a:spLocks noGrp="1"/>
-          </p:cNvSpPr>
-          <p:nvPr>
-            <p:ph type="ctrTitle"/>
-          </p:nvPr>
-        </p:nvSpPr>
-        <p:spPr/>
-        <p:txBody>
-          <a:bodyPr/>
-          <a:lstStyle/>
-          <a:p>
-            <a:endParaRPr lang="zh-CN" altLang="en-US" dirty="0"/>
-          </a:p>
-        </p:txBody>
-      </p:sp>
-      <p:sp>
-        <p:nvSpPr>
-          <p:cNvPr id="3" name="副标题 2">
-            <a:extLst>
-              <a:ext uri="{FF2B5EF4-FFF2-40B4-BE49-F238E27FC236}">
-                <a16:creationId xmlns:a16="http://schemas.microsoft.com/office/drawing/2014/main" id="{282D67A0-8820-4AB6-B588-E4D2F8251A0D}"/>
-              </a:ext>
-            </a:extLst>
-          </p:cNvPr>
-          <p:cNvSpPr>
-            <a:spLocks noGrp="1"/>
-          </p:cNvSpPr>
-          <p:nvPr>
-            <p:ph type="subTitle" idx="1"/>
-          </p:nvPr>
-        </p:nvSpPr>
-        <p:spPr/>
-        <p:txBody>
-          <a:bodyPr/>
-          <a:lstStyle/>
-          <a:p>
-            <a:endParaRPr lang="zh-CN" altLang="en-US"/>
-          </a:p>
-        </p:txBody>
-      </p:sp>
-    </p:spTree>
-    <p:extLst>
-      <p:ext uri="{BB962C8B-B14F-4D97-AF65-F5344CB8AC3E}">
-        <p14:creationId xmlns:p14="http://schemas.microsoft.com/office/powerpoint/2010/main" val="332992362"/>
-      </p:ext>
-    </p:extLst>
-  </p:cSld>
-  <p:clrMapOvr>
-    <a:masterClrMapping/>
-  </p:clrMapOvr>
-</p:sld>
-</file>
-
-<file path=ppt/slides/slide2.xml><?xml version="1.0" encoding="utf-8"?>
-<p:sld xmlns:a="http://schemas.openxmlformats.org/drawingml/2006/main" xmlns:r="http://schemas.openxmlformats.org/officeDocument/2006/relationships" xmlns:p="http://schemas.openxmlformats.org/presentationml/2006/main">
-  <p:cSld>
-    <p:spTree>
-      <p:nvGrpSpPr>
-        <p:cNvPr id="1" name=""/>
-        <p:cNvGrpSpPr/>
-        <p:nvPr/>
-      </p:nvGrpSpPr>
-      <p:grpSpPr>
-        <a:xfrm>
-          <a:off x="0" y="0"/>
-          <a:ext cx="0" cy="0"/>
-          <a:chOff x="0" y="0"/>
-          <a:chExt cx="0" cy="0"/>
-        </a:xfrm>
-      </p:grpSpPr>
-      <p:sp>
-        <p:nvSpPr>
-          <p:cNvPr id="2" name="标题 1">
-            <a:extLst>
-              <a:ext uri="{FF2B5EF4-FFF2-40B4-BE49-F238E27FC236}">
-                <a16:creationId xmlns:a16="http://schemas.microsoft.com/office/drawing/2014/main" id="{97D5EB78-C99B-42B3-BD87-2EEAC1738CBF}"/>
-              </a:ext>
-            </a:extLst>
-          </p:cNvPr>
-          <p:cNvSpPr>
-            <a:spLocks noGrp="1"/>
-          </p:cNvSpPr>
-          <p:nvPr>
-            <p:ph type="title"/>
-          </p:nvPr>
-        </p:nvSpPr>
-        <p:spPr/>
-        <p:txBody>
-          <a:bodyPr/>
-          <a:lstStyle/>
-          <a:p>
-            <a:endParaRPr lang="zh-CN" altLang="en-US"/>
-          </a:p>
-        </p:txBody>
-      </p:sp>
-      <p:sp>
-        <p:nvSpPr>
-          <p:cNvPr id="3" name="内容占位符 2">
-            <a:extLst>
-              <a:ext uri="{FF2B5EF4-FFF2-40B4-BE49-F238E27FC236}">
-                <a16:creationId xmlns:a16="http://schemas.microsoft.com/office/drawing/2014/main" id="{3532B097-65FF-425D-90A7-666EBA45520E}"/>
-              </a:ext>
-            </a:extLst>
-          </p:cNvPr>
-          <p:cNvSpPr>
-            <a:spLocks noGrp="1"/>
-          </p:cNvSpPr>
-          <p:nvPr>
-            <p:ph idx="1"/>
-          </p:nvPr>
-        </p:nvSpPr>
-        <p:spPr/>
-        <p:txBody>
-          <a:bodyPr/>
-          <a:lstStyle/>
-          <a:p>
-            <a:endParaRPr lang="zh-CN" altLang="en-US"/>
-          </a:p>
-        </p:txBody>
-      </p:sp>
-    </p:spTree>
-    <p:extLst>
-      <p:ext uri="{BB962C8B-B14F-4D97-AF65-F5344CB8AC3E}">
-        <p14:creationId xmlns:p14="http://schemas.microsoft.com/office/powerpoint/2010/main" val="953093372"/>
-      </p:ext>
-    </p:extLst>
-  </p:cSld>
-  <p:clrMapOvr>
-    <a:masterClrMapping/>
-  </p:clrMapOvr>
-</p:sld>
-</file>
-
-<file path=ppt/slides/slide3.xml><?xml version="1.0" encoding="utf-8"?>
 <p:sld xmlns:a="http://schemas.openxmlformats.org/drawingml/2006/main" xmlns:r="http://schemas.openxmlformats.org/officeDocument/2006/relationships" xmlns:p="http://schemas.openxmlformats.org/presentationml/2006/main">
   <p:cSld>
     <p:spTree>
